--- a/13226009.pptx
+++ b/13226009.pptx
@@ -33,8 +33,6 @@
     <p:sldId id="278" r:id="rId29"/>
     <p:sldId id="279" r:id="rId30"/>
     <p:sldId id="280" r:id="rId31"/>
-    <p:sldId id="281" r:id="rId32"/>
-    <p:sldId id="282" r:id="rId33"/>
   </p:sldIdLst>
   <p:sldSz cx="10972800" cy="5486400" type="screen4x3"/>
   <p:notesSz cx="10972800" cy="5486400"/>
@@ -1205,104 +1203,6 @@
       <p:pic>
         <p:nvPicPr>
           <p:cNvPr descr="image-25-2.png" id="2" name="Media File"/>
-          <p:cNvPicPr>
-            <a:picLocks noChangeAspect="1"/>
-          </p:cNvPicPr>
-          <p:nvPr/>
-        </p:nvPicPr>
-        <p:blipFill>
-          <a:blip cstate="print" r:embed="rId2"/>
-          <a:stretch>
-            <a:fillRect/>
-          </a:stretch>
-        </p:blipFill>
-        <p:spPr>
-          <a:xfrm>
-            <a:off x="144672" y="0"/>
-            <a:ext cx="10683456" cy="5486400"/>
-          </a:xfrm>
-          <a:prstGeom prst="rect">
-            <a:avLst/>
-          </a:prstGeom>
-        </p:spPr>
-      </p:pic>
-    </p:spTree>
-  </p:cSld>
-  <p:clrMapOvr>
-    <a:masterClrMapping/>
-  </p:clrMapOvr>
-</p:sld>
-</file>
-
-<file path=ppt/slides/slide26.xml><?xml version="1.0" encoding="utf-8"?>
-<p:sld xmlns:p="http://schemas.openxmlformats.org/presentationml/2006/main" xmlns:a="http://schemas.openxmlformats.org/drawingml/2006/main" xmlns:r="http://schemas.openxmlformats.org/officeDocument/2006/relationships">
-  <p:cSld>
-    <p:spTree>
-      <p:nvGrpSpPr>
-        <p:cNvPr id="1" name=""/>
-        <p:cNvGrpSpPr/>
-        <p:nvPr/>
-      </p:nvGrpSpPr>
-      <p:grpSpPr>
-        <a:xfrm>
-          <a:off x="0" y="0"/>
-          <a:ext cx="0" cy="0"/>
-          <a:chOff x="0" y="0"/>
-          <a:chExt cx="0" cy="0"/>
-        </a:xfrm>
-      </p:grpSpPr>
-      <p:pic>
-        <p:nvPicPr>
-          <p:cNvPr descr="image-26-2.png" id="2" name="Media File"/>
-          <p:cNvPicPr>
-            <a:picLocks noChangeAspect="1"/>
-          </p:cNvPicPr>
-          <p:nvPr/>
-        </p:nvPicPr>
-        <p:blipFill>
-          <a:blip cstate="print" r:embed="rId2"/>
-          <a:stretch>
-            <a:fillRect/>
-          </a:stretch>
-        </p:blipFill>
-        <p:spPr>
-          <a:xfrm>
-            <a:off x="144672" y="0"/>
-            <a:ext cx="10683456" cy="5486400"/>
-          </a:xfrm>
-          <a:prstGeom prst="rect">
-            <a:avLst/>
-          </a:prstGeom>
-        </p:spPr>
-      </p:pic>
-    </p:spTree>
-  </p:cSld>
-  <p:clrMapOvr>
-    <a:masterClrMapping/>
-  </p:clrMapOvr>
-</p:sld>
-</file>
-
-<file path=ppt/slides/slide27.xml><?xml version="1.0" encoding="utf-8"?>
-<p:sld xmlns:p="http://schemas.openxmlformats.org/presentationml/2006/main" xmlns:a="http://schemas.openxmlformats.org/drawingml/2006/main" xmlns:r="http://schemas.openxmlformats.org/officeDocument/2006/relationships">
-  <p:cSld>
-    <p:spTree>
-      <p:nvGrpSpPr>
-        <p:cNvPr id="1" name=""/>
-        <p:cNvGrpSpPr/>
-        <p:nvPr/>
-      </p:nvGrpSpPr>
-      <p:grpSpPr>
-        <a:xfrm>
-          <a:off x="0" y="0"/>
-          <a:ext cx="0" cy="0"/>
-          <a:chOff x="0" y="0"/>
-          <a:chExt cx="0" cy="0"/>
-        </a:xfrm>
-      </p:grpSpPr>
-      <p:pic>
-        <p:nvPicPr>
-          <p:cNvPr descr="image-27-2.png" id="2" name="Media File"/>
           <p:cNvPicPr>
             <a:picLocks noChangeAspect="1"/>
           </p:cNvPicPr>
